--- a/docs/diagrams/UndoRedoStartingStackDiagram.pptx
+++ b/docs/diagrams/UndoRedoStartingStackDiagram.pptx
@@ -265,9 +265,9 @@
           <a:p>
             <a:fld id="{03EC4E3E-8101-482F-A883-8B55DAFF7C07}" type="datetimeFigureOut">
               <a:rPr lang="en-SG" smtClean="0"/>
-              <a:t>30/7/2017</a:t>
+              <a:t>13/11/2017</a:t>
             </a:fld>
-            <a:endParaRPr lang="en-SG"/>
+            <a:endParaRPr lang="en-SG" dirty="0"/>
           </a:p>
         </p:txBody>
       </p:sp>
@@ -292,7 +292,7 @@
           <a:bodyPr/>
           <a:lstStyle/>
           <a:p>
-            <a:endParaRPr lang="en-SG"/>
+            <a:endParaRPr lang="en-SG" dirty="0"/>
           </a:p>
         </p:txBody>
       </p:sp>
@@ -321,7 +321,7 @@
               <a:rPr lang="en-SG" smtClean="0"/>
               <a:t>‹#›</a:t>
             </a:fld>
-            <a:endParaRPr lang="en-SG"/>
+            <a:endParaRPr lang="en-SG" dirty="0"/>
           </a:p>
         </p:txBody>
       </p:sp>
@@ -465,9 +465,9 @@
           <a:p>
             <a:fld id="{03EC4E3E-8101-482F-A883-8B55DAFF7C07}" type="datetimeFigureOut">
               <a:rPr lang="en-SG" smtClean="0"/>
-              <a:t>30/7/2017</a:t>
+              <a:t>13/11/2017</a:t>
             </a:fld>
-            <a:endParaRPr lang="en-SG"/>
+            <a:endParaRPr lang="en-SG" dirty="0"/>
           </a:p>
         </p:txBody>
       </p:sp>
@@ -492,7 +492,7 @@
           <a:bodyPr/>
           <a:lstStyle/>
           <a:p>
-            <a:endParaRPr lang="en-SG"/>
+            <a:endParaRPr lang="en-SG" dirty="0"/>
           </a:p>
         </p:txBody>
       </p:sp>
@@ -521,7 +521,7 @@
               <a:rPr lang="en-SG" smtClean="0"/>
               <a:t>‹#›</a:t>
             </a:fld>
-            <a:endParaRPr lang="en-SG"/>
+            <a:endParaRPr lang="en-SG" dirty="0"/>
           </a:p>
         </p:txBody>
       </p:sp>
@@ -675,9 +675,9 @@
           <a:p>
             <a:fld id="{03EC4E3E-8101-482F-A883-8B55DAFF7C07}" type="datetimeFigureOut">
               <a:rPr lang="en-SG" smtClean="0"/>
-              <a:t>30/7/2017</a:t>
+              <a:t>13/11/2017</a:t>
             </a:fld>
-            <a:endParaRPr lang="en-SG"/>
+            <a:endParaRPr lang="en-SG" dirty="0"/>
           </a:p>
         </p:txBody>
       </p:sp>
@@ -702,7 +702,7 @@
           <a:bodyPr/>
           <a:lstStyle/>
           <a:p>
-            <a:endParaRPr lang="en-SG"/>
+            <a:endParaRPr lang="en-SG" dirty="0"/>
           </a:p>
         </p:txBody>
       </p:sp>
@@ -731,7 +731,7 @@
               <a:rPr lang="en-SG" smtClean="0"/>
               <a:t>‹#›</a:t>
             </a:fld>
-            <a:endParaRPr lang="en-SG"/>
+            <a:endParaRPr lang="en-SG" dirty="0"/>
           </a:p>
         </p:txBody>
       </p:sp>
@@ -875,9 +875,9 @@
           <a:p>
             <a:fld id="{03EC4E3E-8101-482F-A883-8B55DAFF7C07}" type="datetimeFigureOut">
               <a:rPr lang="en-SG" smtClean="0"/>
-              <a:t>30/7/2017</a:t>
+              <a:t>13/11/2017</a:t>
             </a:fld>
-            <a:endParaRPr lang="en-SG"/>
+            <a:endParaRPr lang="en-SG" dirty="0"/>
           </a:p>
         </p:txBody>
       </p:sp>
@@ -902,7 +902,7 @@
           <a:bodyPr/>
           <a:lstStyle/>
           <a:p>
-            <a:endParaRPr lang="en-SG"/>
+            <a:endParaRPr lang="en-SG" dirty="0"/>
           </a:p>
         </p:txBody>
       </p:sp>
@@ -931,7 +931,7 @@
               <a:rPr lang="en-SG" smtClean="0"/>
               <a:t>‹#›</a:t>
             </a:fld>
-            <a:endParaRPr lang="en-SG"/>
+            <a:endParaRPr lang="en-SG" dirty="0"/>
           </a:p>
         </p:txBody>
       </p:sp>
@@ -1151,9 +1151,9 @@
           <a:p>
             <a:fld id="{03EC4E3E-8101-482F-A883-8B55DAFF7C07}" type="datetimeFigureOut">
               <a:rPr lang="en-SG" smtClean="0"/>
-              <a:t>30/7/2017</a:t>
+              <a:t>13/11/2017</a:t>
             </a:fld>
-            <a:endParaRPr lang="en-SG"/>
+            <a:endParaRPr lang="en-SG" dirty="0"/>
           </a:p>
         </p:txBody>
       </p:sp>
@@ -1178,7 +1178,7 @@
           <a:bodyPr/>
           <a:lstStyle/>
           <a:p>
-            <a:endParaRPr lang="en-SG"/>
+            <a:endParaRPr lang="en-SG" dirty="0"/>
           </a:p>
         </p:txBody>
       </p:sp>
@@ -1207,7 +1207,7 @@
               <a:rPr lang="en-SG" smtClean="0"/>
               <a:t>‹#›</a:t>
             </a:fld>
-            <a:endParaRPr lang="en-SG"/>
+            <a:endParaRPr lang="en-SG" dirty="0"/>
           </a:p>
         </p:txBody>
       </p:sp>
@@ -1419,9 +1419,9 @@
           <a:p>
             <a:fld id="{03EC4E3E-8101-482F-A883-8B55DAFF7C07}" type="datetimeFigureOut">
               <a:rPr lang="en-SG" smtClean="0"/>
-              <a:t>30/7/2017</a:t>
+              <a:t>13/11/2017</a:t>
             </a:fld>
-            <a:endParaRPr lang="en-SG"/>
+            <a:endParaRPr lang="en-SG" dirty="0"/>
           </a:p>
         </p:txBody>
       </p:sp>
@@ -1446,7 +1446,7 @@
           <a:bodyPr/>
           <a:lstStyle/>
           <a:p>
-            <a:endParaRPr lang="en-SG"/>
+            <a:endParaRPr lang="en-SG" dirty="0"/>
           </a:p>
         </p:txBody>
       </p:sp>
@@ -1475,7 +1475,7 @@
               <a:rPr lang="en-SG" smtClean="0"/>
               <a:t>‹#›</a:t>
             </a:fld>
-            <a:endParaRPr lang="en-SG"/>
+            <a:endParaRPr lang="en-SG" dirty="0"/>
           </a:p>
         </p:txBody>
       </p:sp>
@@ -1834,9 +1834,9 @@
           <a:p>
             <a:fld id="{03EC4E3E-8101-482F-A883-8B55DAFF7C07}" type="datetimeFigureOut">
               <a:rPr lang="en-SG" smtClean="0"/>
-              <a:t>30/7/2017</a:t>
+              <a:t>13/11/2017</a:t>
             </a:fld>
-            <a:endParaRPr lang="en-SG"/>
+            <a:endParaRPr lang="en-SG" dirty="0"/>
           </a:p>
         </p:txBody>
       </p:sp>
@@ -1861,7 +1861,7 @@
           <a:bodyPr/>
           <a:lstStyle/>
           <a:p>
-            <a:endParaRPr lang="en-SG"/>
+            <a:endParaRPr lang="en-SG" dirty="0"/>
           </a:p>
         </p:txBody>
       </p:sp>
@@ -1890,7 +1890,7 @@
               <a:rPr lang="en-SG" smtClean="0"/>
               <a:t>‹#›</a:t>
             </a:fld>
-            <a:endParaRPr lang="en-SG"/>
+            <a:endParaRPr lang="en-SG" dirty="0"/>
           </a:p>
         </p:txBody>
       </p:sp>
@@ -1976,9 +1976,9 @@
           <a:p>
             <a:fld id="{03EC4E3E-8101-482F-A883-8B55DAFF7C07}" type="datetimeFigureOut">
               <a:rPr lang="en-SG" smtClean="0"/>
-              <a:t>30/7/2017</a:t>
+              <a:t>13/11/2017</a:t>
             </a:fld>
-            <a:endParaRPr lang="en-SG"/>
+            <a:endParaRPr lang="en-SG" dirty="0"/>
           </a:p>
         </p:txBody>
       </p:sp>
@@ -2003,7 +2003,7 @@
           <a:bodyPr/>
           <a:lstStyle/>
           <a:p>
-            <a:endParaRPr lang="en-SG"/>
+            <a:endParaRPr lang="en-SG" dirty="0"/>
           </a:p>
         </p:txBody>
       </p:sp>
@@ -2032,7 +2032,7 @@
               <a:rPr lang="en-SG" smtClean="0"/>
               <a:t>‹#›</a:t>
             </a:fld>
-            <a:endParaRPr lang="en-SG"/>
+            <a:endParaRPr lang="en-SG" dirty="0"/>
           </a:p>
         </p:txBody>
       </p:sp>
@@ -2089,9 +2089,9 @@
           <a:p>
             <a:fld id="{03EC4E3E-8101-482F-A883-8B55DAFF7C07}" type="datetimeFigureOut">
               <a:rPr lang="en-SG" smtClean="0"/>
-              <a:t>30/7/2017</a:t>
+              <a:t>13/11/2017</a:t>
             </a:fld>
-            <a:endParaRPr lang="en-SG"/>
+            <a:endParaRPr lang="en-SG" dirty="0"/>
           </a:p>
         </p:txBody>
       </p:sp>
@@ -2116,7 +2116,7 @@
           <a:bodyPr/>
           <a:lstStyle/>
           <a:p>
-            <a:endParaRPr lang="en-SG"/>
+            <a:endParaRPr lang="en-SG" dirty="0"/>
           </a:p>
         </p:txBody>
       </p:sp>
@@ -2145,7 +2145,7 @@
               <a:rPr lang="en-SG" smtClean="0"/>
               <a:t>‹#›</a:t>
             </a:fld>
-            <a:endParaRPr lang="en-SG"/>
+            <a:endParaRPr lang="en-SG" dirty="0"/>
           </a:p>
         </p:txBody>
       </p:sp>
@@ -2402,9 +2402,9 @@
           <a:p>
             <a:fld id="{03EC4E3E-8101-482F-A883-8B55DAFF7C07}" type="datetimeFigureOut">
               <a:rPr lang="en-SG" smtClean="0"/>
-              <a:t>30/7/2017</a:t>
+              <a:t>13/11/2017</a:t>
             </a:fld>
-            <a:endParaRPr lang="en-SG"/>
+            <a:endParaRPr lang="en-SG" dirty="0"/>
           </a:p>
         </p:txBody>
       </p:sp>
@@ -2429,7 +2429,7 @@
           <a:bodyPr/>
           <a:lstStyle/>
           <a:p>
-            <a:endParaRPr lang="en-SG"/>
+            <a:endParaRPr lang="en-SG" dirty="0"/>
           </a:p>
         </p:txBody>
       </p:sp>
@@ -2458,7 +2458,7 @@
               <a:rPr lang="en-SG" smtClean="0"/>
               <a:t>‹#›</a:t>
             </a:fld>
-            <a:endParaRPr lang="en-SG"/>
+            <a:endParaRPr lang="en-SG" dirty="0"/>
           </a:p>
         </p:txBody>
       </p:sp>
@@ -2593,7 +2593,7 @@
             </a:lvl9pPr>
           </a:lstStyle>
           <a:p>
-            <a:endParaRPr lang="en-SG"/>
+            <a:endParaRPr lang="en-SG" dirty="0"/>
           </a:p>
         </p:txBody>
       </p:sp>
@@ -2691,9 +2691,9 @@
           <a:p>
             <a:fld id="{03EC4E3E-8101-482F-A883-8B55DAFF7C07}" type="datetimeFigureOut">
               <a:rPr lang="en-SG" smtClean="0"/>
-              <a:t>30/7/2017</a:t>
+              <a:t>13/11/2017</a:t>
             </a:fld>
-            <a:endParaRPr lang="en-SG"/>
+            <a:endParaRPr lang="en-SG" dirty="0"/>
           </a:p>
         </p:txBody>
       </p:sp>
@@ -2718,7 +2718,7 @@
           <a:bodyPr/>
           <a:lstStyle/>
           <a:p>
-            <a:endParaRPr lang="en-SG"/>
+            <a:endParaRPr lang="en-SG" dirty="0"/>
           </a:p>
         </p:txBody>
       </p:sp>
@@ -2747,7 +2747,7 @@
               <a:rPr lang="en-SG" smtClean="0"/>
               <a:t>‹#›</a:t>
             </a:fld>
-            <a:endParaRPr lang="en-SG"/>
+            <a:endParaRPr lang="en-SG" dirty="0"/>
           </a:p>
         </p:txBody>
       </p:sp>
@@ -2934,9 +2934,9 @@
           <a:p>
             <a:fld id="{03EC4E3E-8101-482F-A883-8B55DAFF7C07}" type="datetimeFigureOut">
               <a:rPr lang="en-SG" smtClean="0"/>
-              <a:t>30/7/2017</a:t>
+              <a:t>13/11/2017</a:t>
             </a:fld>
-            <a:endParaRPr lang="en-SG"/>
+            <a:endParaRPr lang="en-SG" dirty="0"/>
           </a:p>
         </p:txBody>
       </p:sp>
@@ -2979,7 +2979,7 @@
             </a:lvl1pPr>
           </a:lstStyle>
           <a:p>
-            <a:endParaRPr lang="en-SG"/>
+            <a:endParaRPr lang="en-SG" dirty="0"/>
           </a:p>
         </p:txBody>
       </p:sp>
@@ -3026,7 +3026,7 @@
               <a:rPr lang="en-SG" smtClean="0"/>
               <a:t>‹#›</a:t>
             </a:fld>
-            <a:endParaRPr lang="en-SG"/>
+            <a:endParaRPr lang="en-SG" dirty="0"/>
           </a:p>
         </p:txBody>
       </p:sp>
@@ -3412,7 +3412,7 @@
             <a:lstStyle/>
             <a:p>
               <a:pPr algn="ctr"/>
-              <a:endParaRPr lang="en-SG"/>
+              <a:endParaRPr lang="en-SG" dirty="0"/>
             </a:p>
           </p:txBody>
         </p:sp>
@@ -3466,7 +3466,7 @@
             <a:lstStyle/>
             <a:p>
               <a:pPr algn="ctr"/>
-              <a:endParaRPr lang="en-SG"/>
+              <a:endParaRPr lang="en-SG" dirty="0"/>
             </a:p>
           </p:txBody>
         </p:sp>
@@ -3501,14 +3501,11 @@
           <a:p>
             <a:pPr algn="ctr"/>
             <a:r>
-              <a:rPr lang="en-SG" dirty="0" err="1">
+              <a:rPr lang="en-SG" dirty="0">
                 <a:latin typeface="Consolas" panose="020B0609020204030204" pitchFamily="49" charset="0"/>
               </a:rPr>
               <a:t>undoStack</a:t>
             </a:r>
-            <a:endParaRPr lang="en-SG" dirty="0">
-              <a:latin typeface="Consolas" panose="020B0609020204030204" pitchFamily="49" charset="0"/>
-            </a:endParaRPr>
           </a:p>
         </p:txBody>
       </p:sp>
@@ -3542,14 +3539,11 @@
           <a:p>
             <a:pPr algn="ctr"/>
             <a:r>
-              <a:rPr lang="en-SG" dirty="0" err="1">
+              <a:rPr lang="en-SG" dirty="0">
                 <a:latin typeface="Consolas" panose="020B0609020204030204" pitchFamily="49" charset="0"/>
               </a:rPr>
               <a:t>redoStack</a:t>
             </a:r>
-            <a:endParaRPr lang="en-SG" dirty="0">
-              <a:latin typeface="Consolas" panose="020B0609020204030204" pitchFamily="49" charset="0"/>
-            </a:endParaRPr>
           </a:p>
         </p:txBody>
       </p:sp>
@@ -3665,7 +3659,7 @@
             <a:lstStyle/>
             <a:p>
               <a:pPr algn="ctr"/>
-              <a:endParaRPr lang="en-SG"/>
+              <a:endParaRPr lang="en-SG" dirty="0"/>
             </a:p>
           </p:txBody>
         </p:sp>
@@ -3719,7 +3713,7 @@
             <a:lstStyle/>
             <a:p>
               <a:pPr algn="ctr"/>
-              <a:endParaRPr lang="en-SG"/>
+              <a:endParaRPr lang="en-SG" dirty="0"/>
             </a:p>
           </p:txBody>
         </p:sp>
@@ -3785,7 +3779,7 @@
             <a:lstStyle/>
             <a:p>
               <a:pPr algn="ctr"/>
-              <a:endParaRPr lang="en-SG"/>
+              <a:endParaRPr lang="en-SG" dirty="0"/>
             </a:p>
           </p:txBody>
         </p:sp>
@@ -3839,7 +3833,7 @@
             <a:lstStyle/>
             <a:p>
               <a:pPr algn="ctr"/>
-              <a:endParaRPr lang="en-SG"/>
+              <a:endParaRPr lang="en-SG" dirty="0"/>
             </a:p>
           </p:txBody>
         </p:sp>
@@ -3874,14 +3868,11 @@
           <a:p>
             <a:pPr algn="ctr"/>
             <a:r>
-              <a:rPr lang="en-SG" dirty="0" err="1">
+              <a:rPr lang="en-SG" dirty="0">
                 <a:latin typeface="Consolas" panose="020B0609020204030204" pitchFamily="49" charset="0"/>
               </a:rPr>
               <a:t>undoStack</a:t>
             </a:r>
-            <a:endParaRPr lang="en-SG" dirty="0">
-              <a:latin typeface="Consolas" panose="020B0609020204030204" pitchFamily="49" charset="0"/>
-            </a:endParaRPr>
           </a:p>
         </p:txBody>
       </p:sp>
@@ -3915,14 +3906,11 @@
           <a:p>
             <a:pPr algn="ctr"/>
             <a:r>
-              <a:rPr lang="en-SG" dirty="0" err="1">
+              <a:rPr lang="en-SG" dirty="0">
                 <a:latin typeface="Consolas" panose="020B0609020204030204" pitchFamily="49" charset="0"/>
               </a:rPr>
               <a:t>redoStack</a:t>
             </a:r>
-            <a:endParaRPr lang="en-SG" dirty="0">
-              <a:latin typeface="Consolas" panose="020B0609020204030204" pitchFamily="49" charset="0"/>
-            </a:endParaRPr>
           </a:p>
         </p:txBody>
       </p:sp>
@@ -3987,7 +3975,7 @@
             <a:lstStyle/>
             <a:p>
               <a:pPr algn="ctr"/>
-              <a:endParaRPr lang="en-SG"/>
+              <a:endParaRPr lang="en-SG" dirty="0"/>
             </a:p>
           </p:txBody>
         </p:sp>
@@ -4041,7 +4029,7 @@
             <a:lstStyle/>
             <a:p>
               <a:pPr algn="ctr"/>
-              <a:endParaRPr lang="en-SG"/>
+              <a:endParaRPr lang="en-SG" dirty="0"/>
             </a:p>
           </p:txBody>
         </p:sp>
@@ -4061,7 +4049,7 @@
           <p:nvPr>
             <p:extLst>
               <p:ext uri="{D42A27DB-BD31-4B8C-83A1-F6EECF244321}">
-                <p14:modId xmlns:p14="http://schemas.microsoft.com/office/powerpoint/2010/main" val="3103575222"/>
+                <p14:modId xmlns:p14="http://schemas.microsoft.com/office/powerpoint/2010/main" val="2882151134"/>
               </p:ext>
             </p:extLst>
           </p:nvPr>
@@ -4093,13 +4081,8 @@
                     <a:p>
                       <a:r>
                         <a:rPr lang="en-SG" u="sng" dirty="0"/>
-                        <a:t>:</a:t>
+                        <a:t>:DeleteCommand</a:t>
                       </a:r>
-                      <a:r>
-                        <a:rPr lang="en-SG" u="sng" dirty="0" err="1"/>
-                        <a:t>DeleteCommand</a:t>
-                      </a:r>
-                      <a:endParaRPr lang="en-SG" u="sng" dirty="0"/>
                     </a:p>
                   </a:txBody>
                   <a:tcPr>
@@ -4129,22 +4112,14 @@
                     <a:lstStyle/>
                     <a:p>
                       <a:r>
-                        <a:rPr lang="en-SG" dirty="0" err="1"/>
-                        <a:t>targetIndex</a:t>
-                      </a:r>
-                      <a:r>
                         <a:rPr lang="en-SG" dirty="0"/>
-                        <a:t> = 5</a:t>
+                        <a:t>targetIndex = 5</a:t>
                       </a:r>
                     </a:p>
                     <a:p>
                       <a:r>
-                        <a:rPr lang="en-SG" dirty="0" err="1"/>
-                        <a:t>prevAddressBook</a:t>
-                      </a:r>
-                      <a:r>
                         <a:rPr lang="en-SG" dirty="0"/>
-                        <a:t> = s3</a:t>
+                        <a:t>personToDelete = $5</a:t>
                       </a:r>
                     </a:p>
                   </a:txBody>
